--- a/Presentation/NEObserver.pptx
+++ b/Presentation/NEObserver.pptx
@@ -110,7 +110,7 @@
   </p:defaultTextStyle>
   <p:extLst>
     <p:ext uri="{EFAFB233-063F-42B5-8137-9DF3F51BA10A}">
-      <p15:sldGuideLst xmlns:p15="http://schemas.microsoft.com/office/powerpoint/2012/main">
+      <p15:sldGuideLst xmlns:p15="http://schemas.microsoft.com/office/powerpoint/2012/main" xmlns="">
         <p15:guide id="1" orient="horz" pos="2160">
           <p15:clr>
             <a:srgbClr val="A4A3A4"/>
@@ -8699,76 +8699,6 @@
       </p:grpSpPr>
       <p:sp>
         <p:nvSpPr>
-          <p:cNvPr id="2" name="1 Título"/>
-          <p:cNvSpPr>
-            <a:spLocks noGrp="1"/>
-          </p:cNvSpPr>
-          <p:nvPr>
-            <p:ph type="ctrTitle"/>
-          </p:nvPr>
-        </p:nvSpPr>
-        <p:spPr>
-          <a:xfrm>
-            <a:off x="971600" y="1451496"/>
-            <a:ext cx="9144000" cy="1440160"/>
-          </a:xfrm>
-        </p:spPr>
-        <p:txBody>
-          <a:bodyPr>
-            <a:noAutofit/>
-          </a:bodyPr>
-          <a:lstStyle/>
-          <a:p>
-            <a:r>
-              <a:rPr lang="es-MX" sz="11000" b="1" spc="50" dirty="0" err="1" smtClean="0">
-                <a:ln w="9525" cmpd="sng">
-                  <a:solidFill>
-                    <a:schemeClr val="accent1"/>
-                  </a:solidFill>
-                  <a:prstDash val="solid"/>
-                </a:ln>
-                <a:solidFill>
-                  <a:srgbClr val="70AD47">
-                    <a:tint val="1000"/>
-                  </a:srgbClr>
-                </a:solidFill>
-                <a:effectLst>
-                  <a:glow rad="139700">
-                    <a:schemeClr val="accent1">
-                      <a:satMod val="175000"/>
-                      <a:alpha val="40000"/>
-                    </a:schemeClr>
-                  </a:glow>
-                </a:effectLst>
-              </a:rPr>
-              <a:t>NEObserver</a:t>
-            </a:r>
-            <a:endParaRPr lang="es-MX" sz="11000" b="1" spc="50" dirty="0">
-              <a:ln w="9525" cmpd="sng">
-                <a:solidFill>
-                  <a:schemeClr val="accent1"/>
-                </a:solidFill>
-                <a:prstDash val="solid"/>
-              </a:ln>
-              <a:solidFill>
-                <a:srgbClr val="70AD47">
-                  <a:tint val="1000"/>
-                </a:srgbClr>
-              </a:solidFill>
-              <a:effectLst>
-                <a:glow rad="139700">
-                  <a:schemeClr val="accent1">
-                    <a:satMod val="175000"/>
-                    <a:alpha val="40000"/>
-                  </a:schemeClr>
-                </a:glow>
-              </a:effectLst>
-            </a:endParaRPr>
-          </a:p>
-        </p:txBody>
-      </p:sp>
-      <p:sp>
-        <p:nvSpPr>
           <p:cNvPr id="3" name="2 Subtítulo"/>
           <p:cNvSpPr>
             <a:spLocks noGrp="1"/>
@@ -8992,6 +8922,47 @@
             </a:outerShdw>
             <a:reflection stA="0" endPos="65000" dist="50800" dir="5400000" sy="-100000" algn="bl" rotWithShape="0"/>
           </a:effectLst>
+        </p:spPr>
+      </p:pic>
+      <p:pic>
+        <p:nvPicPr>
+          <p:cNvPr id="1026" name="Picture 2" descr="C:\Users\André\Documents\GalacticGuardians\img\logo_final.png"/>
+          <p:cNvPicPr>
+            <a:picLocks noChangeAspect="1" noChangeArrowheads="1"/>
+          </p:cNvPicPr>
+          <p:nvPr/>
+        </p:nvPicPr>
+        <p:blipFill>
+          <a:blip r:embed="rId4">
+            <a:extLst>
+              <a:ext uri="{28A0092B-C50C-407E-A947-70E740481C1C}">
+                <a14:useLocalDpi xmlns:a14="http://schemas.microsoft.com/office/drawing/2010/main" val="0"/>
+              </a:ext>
+            </a:extLst>
+          </a:blip>
+          <a:srcRect/>
+          <a:stretch>
+            <a:fillRect/>
+          </a:stretch>
+        </p:blipFill>
+        <p:spPr bwMode="auto">
+          <a:xfrm>
+            <a:off x="2093962" y="1320190"/>
+            <a:ext cx="6826228" cy="1316722"/>
+          </a:xfrm>
+          <a:prstGeom prst="rect">
+            <a:avLst/>
+          </a:prstGeom>
+          <a:noFill/>
+          <a:extLst>
+            <a:ext uri="{909E8E84-426E-40DD-AFC4-6F175D3DCCD1}">
+              <a14:hiddenFill xmlns:a14="http://schemas.microsoft.com/office/drawing/2010/main">
+                <a:solidFill>
+                  <a:srgbClr val="FFFFFF"/>
+                </a:solidFill>
+              </a14:hiddenFill>
+            </a:ext>
+          </a:extLst>
         </p:spPr>
       </p:pic>
     </p:spTree>
@@ -9223,9 +9194,6 @@
               </a:rPr>
               <a:t>solution</a:t>
             </a:r>
-            <a:endParaRPr lang="en-US" sz="7200" cap="small" dirty="0">
-              <a:latin typeface="+mn-lt"/>
-            </a:endParaRPr>
           </a:p>
         </p:txBody>
       </p:sp>
@@ -9393,11 +9361,6 @@
               </a:rPr>
               <a:t>We created an interactive social network where more citizen astronomers can:</a:t>
             </a:r>
-            <a:endParaRPr lang="en-US" sz="2800" dirty="0">
-              <a:solidFill>
-                <a:prstClr val="white"/>
-              </a:solidFill>
-            </a:endParaRPr>
           </a:p>
         </p:txBody>
       </p:sp>
@@ -9516,7 +9479,6 @@
               <a:rPr lang="en-US" sz="2800" dirty="0"/>
               <a:t>By developing a more attractive and intuitive way, the participation of citizen astronomers in this subject will increment</a:t>
             </a:r>
-            <a:endParaRPr lang="en-US" sz="2800" dirty="0"/>
           </a:p>
         </p:txBody>
       </p:sp>
@@ -9619,7 +9581,7 @@
     </a:clrScheme>
     <a:fontScheme name="Office">
       <a:majorFont>
-        <a:latin typeface="Calibri Light" panose="020F0302020204030204"/>
+        <a:latin typeface="Calibri Light"/>
         <a:ea typeface=""/>
         <a:cs typeface=""/>
         <a:font script="Jpan" typeface="ＭＳ Ｐゴシック"/>
@@ -9654,7 +9616,7 @@
         <a:font script="Geor" typeface="Sylfaen"/>
       </a:majorFont>
       <a:minorFont>
-        <a:latin typeface="Calibri" panose="020F0502020204030204"/>
+        <a:latin typeface="Calibri"/>
         <a:ea typeface=""/>
         <a:cs typeface=""/>
         <a:font script="Jpan" typeface="ＭＳ Ｐゴシック"/>
@@ -9831,7 +9793,7 @@
   <a:extraClrSchemeLst/>
   <a:extLst>
     <a:ext uri="{05A4C25C-085E-4340-85A3-A5531E510DB2}">
-      <thm15:themeFamily xmlns:thm15="http://schemas.microsoft.com/office/thememl/2012/main" name="Office Theme" id="{62F939B6-93AF-4DB8-9C6B-D6C7DFDC589F}" vid="{4A3C46E8-61CC-4603-A589-7422A47A8E4A}"/>
+      <thm15:themeFamily xmlns:thm15="http://schemas.microsoft.com/office/thememl/2012/main" xmlns="" name="Office Theme" id="{62F939B6-93AF-4DB8-9C6B-D6C7DFDC589F}" vid="{4A3C46E8-61CC-4603-A589-7422A47A8E4A}"/>
     </a:ext>
   </a:extLst>
 </a:theme>
@@ -9880,7 +9842,7 @@
     </a:clrScheme>
     <a:fontScheme name="Celestial">
       <a:majorFont>
-        <a:latin typeface="Calibri Light" panose="020F0302020204030204"/>
+        <a:latin typeface="Calibri Light"/>
         <a:ea typeface=""/>
         <a:cs typeface=""/>
         <a:font script="Jpan" typeface="ＭＳ Ｐゴシック"/>
@@ -9915,7 +9877,7 @@
         <a:font script="Geor" typeface="Sylfaen"/>
       </a:majorFont>
       <a:minorFont>
-        <a:latin typeface="Calibri" panose="020F0502020204030204"/>
+        <a:latin typeface="Calibri"/>
         <a:ea typeface=""/>
         <a:cs typeface=""/>
         <a:font script="Jpan" typeface="ＭＳ Ｐゴシック"/>
@@ -10080,7 +10042,7 @@
   <a:extraClrSchemeLst/>
   <a:extLst>
     <a:ext uri="{05A4C25C-085E-4340-85A3-A5531E510DB2}">
-      <thm15:themeFamily xmlns:thm15="http://schemas.microsoft.com/office/thememl/2012/main" name="Celestial" id="{C4BB2A3D-0E93-4C5F-B0D2-9D3FCE089CC5}" vid="{61DDDE80-2DFA-4F2A-B66F-72059846BDAA}"/>
+      <thm15:themeFamily xmlns:thm15="http://schemas.microsoft.com/office/thememl/2012/main" xmlns="" name="Celestial" id="{C4BB2A3D-0E93-4C5F-B0D2-9D3FCE089CC5}" vid="{61DDDE80-2DFA-4F2A-B66F-72059846BDAA}"/>
     </a:ext>
   </a:extLst>
 </a:theme>
